--- a/実座標と円筒座標(改.pptx
+++ b/実座標と円筒座標(改.pptx
@@ -15,6 +15,9 @@
     <p:sldId id="263" r:id="rId9"/>
     <p:sldId id="264" r:id="rId10"/>
     <p:sldId id="265" r:id="rId11"/>
+    <p:sldId id="266" r:id="rId12"/>
+    <p:sldId id="268" r:id="rId13"/>
+    <p:sldId id="267" r:id="rId14"/>
   </p:sldIdLst>
   <p:sldSz cx="9144000" cy="6858000" type="screen4x3"/>
   <p:notesSz cx="6858000" cy="9144000"/>
@@ -297,7 +300,7 @@
           <a:p>
             <a:fld id="{E90ED720-0104-4369-84BC-D37694168613}" type="datetimeFigureOut">
               <a:rPr kumimoji="1" lang="ja-JP" altLang="en-US" smtClean="0"/>
-              <a:t>2016/9/30</a:t>
+              <a:t>2016/10/5</a:t>
             </a:fld>
             <a:endParaRPr kumimoji="1" lang="ja-JP" altLang="en-US"/>
           </a:p>
@@ -494,7 +497,7 @@
           <a:p>
             <a:fld id="{E90ED720-0104-4369-84BC-D37694168613}" type="datetimeFigureOut">
               <a:rPr kumimoji="1" lang="ja-JP" altLang="en-US" smtClean="0"/>
-              <a:t>2016/9/30</a:t>
+              <a:t>2016/10/5</a:t>
             </a:fld>
             <a:endParaRPr kumimoji="1" lang="ja-JP" altLang="en-US"/>
           </a:p>
@@ -701,7 +704,7 @@
           <a:p>
             <a:fld id="{E90ED720-0104-4369-84BC-D37694168613}" type="datetimeFigureOut">
               <a:rPr kumimoji="1" lang="ja-JP" altLang="en-US" smtClean="0"/>
-              <a:t>2016/9/30</a:t>
+              <a:t>2016/10/5</a:t>
             </a:fld>
             <a:endParaRPr kumimoji="1" lang="ja-JP" altLang="en-US"/>
           </a:p>
@@ -898,7 +901,7 @@
           <a:p>
             <a:fld id="{E90ED720-0104-4369-84BC-D37694168613}" type="datetimeFigureOut">
               <a:rPr kumimoji="1" lang="ja-JP" altLang="en-US" smtClean="0"/>
-              <a:t>2016/9/30</a:t>
+              <a:t>2016/10/5</a:t>
             </a:fld>
             <a:endParaRPr kumimoji="1" lang="ja-JP" altLang="en-US"/>
           </a:p>
@@ -1139,7 +1142,7 @@
           <a:p>
             <a:fld id="{E90ED720-0104-4369-84BC-D37694168613}" type="datetimeFigureOut">
               <a:rPr kumimoji="1" lang="ja-JP" altLang="en-US" smtClean="0"/>
-              <a:t>2016/9/30</a:t>
+              <a:t>2016/10/5</a:t>
             </a:fld>
             <a:endParaRPr kumimoji="1" lang="ja-JP" altLang="en-US"/>
           </a:p>
@@ -1486,7 +1489,7 @@
           <a:p>
             <a:fld id="{E90ED720-0104-4369-84BC-D37694168613}" type="datetimeFigureOut">
               <a:rPr kumimoji="1" lang="ja-JP" altLang="en-US" smtClean="0"/>
-              <a:t>2016/9/30</a:t>
+              <a:t>2016/10/5</a:t>
             </a:fld>
             <a:endParaRPr kumimoji="1" lang="ja-JP" altLang="en-US"/>
           </a:p>
@@ -1967,7 +1970,7 @@
           <a:p>
             <a:fld id="{E90ED720-0104-4369-84BC-D37694168613}" type="datetimeFigureOut">
               <a:rPr kumimoji="1" lang="ja-JP" altLang="en-US" smtClean="0"/>
-              <a:t>2016/9/30</a:t>
+              <a:t>2016/10/5</a:t>
             </a:fld>
             <a:endParaRPr kumimoji="1" lang="ja-JP" altLang="en-US"/>
           </a:p>
@@ -2080,7 +2083,7 @@
           <a:p>
             <a:fld id="{E90ED720-0104-4369-84BC-D37694168613}" type="datetimeFigureOut">
               <a:rPr kumimoji="1" lang="ja-JP" altLang="en-US" smtClean="0"/>
-              <a:t>2016/9/30</a:t>
+              <a:t>2016/10/5</a:t>
             </a:fld>
             <a:endParaRPr kumimoji="1" lang="ja-JP" altLang="en-US"/>
           </a:p>
@@ -2170,7 +2173,7 @@
           <a:p>
             <a:fld id="{E90ED720-0104-4369-84BC-D37694168613}" type="datetimeFigureOut">
               <a:rPr kumimoji="1" lang="ja-JP" altLang="en-US" smtClean="0"/>
-              <a:t>2016/9/30</a:t>
+              <a:t>2016/10/5</a:t>
             </a:fld>
             <a:endParaRPr kumimoji="1" lang="ja-JP" altLang="en-US"/>
           </a:p>
@@ -2474,7 +2477,7 @@
           <a:p>
             <a:fld id="{E90ED720-0104-4369-84BC-D37694168613}" type="datetimeFigureOut">
               <a:rPr kumimoji="1" lang="ja-JP" altLang="en-US" smtClean="0"/>
-              <a:t>2016/9/30</a:t>
+              <a:t>2016/10/5</a:t>
             </a:fld>
             <a:endParaRPr kumimoji="1" lang="ja-JP" altLang="en-US"/>
           </a:p>
@@ -2722,7 +2725,7 @@
           <a:p>
             <a:fld id="{E90ED720-0104-4369-84BC-D37694168613}" type="datetimeFigureOut">
               <a:rPr kumimoji="1" lang="ja-JP" altLang="en-US" smtClean="0"/>
-              <a:t>2016/9/30</a:t>
+              <a:t>2016/10/5</a:t>
             </a:fld>
             <a:endParaRPr kumimoji="1" lang="ja-JP" altLang="en-US"/>
           </a:p>
@@ -2962,7 +2965,7 @@
           <a:p>
             <a:fld id="{E90ED720-0104-4369-84BC-D37694168613}" type="datetimeFigureOut">
               <a:rPr kumimoji="1" lang="ja-JP" altLang="en-US" smtClean="0"/>
-              <a:t>2016/9/30</a:t>
+              <a:t>2016/10/5</a:t>
             </a:fld>
             <a:endParaRPr kumimoji="1" lang="ja-JP" altLang="en-US"/>
           </a:p>
@@ -3911,6 +3914,315 @@
 </p:sld>
 </file>
 
+<file path=ppt/slides/slide11.xml><?xml version="1.0" encoding="utf-8"?>
+<p:sld xmlns:a="http://schemas.openxmlformats.org/drawingml/2006/main" xmlns:r="http://schemas.openxmlformats.org/officeDocument/2006/relationships" xmlns:p="http://schemas.openxmlformats.org/presentationml/2006/main">
+  <p:cSld>
+    <p:spTree>
+      <p:nvGrpSpPr>
+        <p:cNvPr id="1" name=""/>
+        <p:cNvGrpSpPr/>
+        <p:nvPr/>
+      </p:nvGrpSpPr>
+      <p:grpSpPr>
+        <a:xfrm>
+          <a:off x="0" y="0"/>
+          <a:ext cx="0" cy="0"/>
+          <a:chOff x="0" y="0"/>
+          <a:chExt cx="0" cy="0"/>
+        </a:xfrm>
+      </p:grpSpPr>
+      <p:sp>
+        <p:nvSpPr>
+          <p:cNvPr id="2" name="タイトル 1"/>
+          <p:cNvSpPr>
+            <a:spLocks noGrp="1"/>
+          </p:cNvSpPr>
+          <p:nvPr>
+            <p:ph type="title"/>
+          </p:nvPr>
+        </p:nvSpPr>
+        <p:spPr/>
+        <p:txBody>
+          <a:bodyPr/>
+          <a:lstStyle/>
+          <a:p>
+            <a:r>
+              <a:rPr kumimoji="1" lang="en-US" altLang="ja-JP" dirty="0" smtClean="0"/>
+              <a:t>Depth = 200</a:t>
+            </a:r>
+            <a:endParaRPr kumimoji="1" lang="ja-JP" altLang="en-US" dirty="0"/>
+          </a:p>
+        </p:txBody>
+      </p:sp>
+      <p:sp>
+        <p:nvSpPr>
+          <p:cNvPr id="3" name="コンテンツ プレースホルダー 2"/>
+          <p:cNvSpPr>
+            <a:spLocks noGrp="1"/>
+          </p:cNvSpPr>
+          <p:nvPr>
+            <p:ph idx="1"/>
+          </p:nvPr>
+        </p:nvSpPr>
+        <p:spPr/>
+        <p:txBody>
+          <a:bodyPr/>
+          <a:lstStyle/>
+          <a:p>
+            <a:endParaRPr kumimoji="1" lang="ja-JP" altLang="en-US"/>
+          </a:p>
+        </p:txBody>
+      </p:sp>
+      <p:pic>
+        <p:nvPicPr>
+          <p:cNvPr id="1026" name="Picture 2" descr="C:\Users\170283u\Desktop\python\detected.jpg"/>
+          <p:cNvPicPr>
+            <a:picLocks noChangeAspect="1" noChangeArrowheads="1"/>
+          </p:cNvPicPr>
+          <p:nvPr/>
+        </p:nvPicPr>
+        <p:blipFill>
+          <a:blip r:embed="rId2">
+            <a:extLst>
+              <a:ext uri="{28A0092B-C50C-407E-A947-70E740481C1C}">
+                <a14:useLocalDpi xmlns:a14="http://schemas.microsoft.com/office/drawing/2010/main" val="0"/>
+              </a:ext>
+            </a:extLst>
+          </a:blip>
+          <a:srcRect/>
+          <a:stretch>
+            <a:fillRect/>
+          </a:stretch>
+        </p:blipFill>
+        <p:spPr bwMode="auto">
+          <a:xfrm>
+            <a:off x="323528" y="1556792"/>
+            <a:ext cx="8634139" cy="4317070"/>
+          </a:xfrm>
+          <a:prstGeom prst="rect">
+            <a:avLst/>
+          </a:prstGeom>
+          <a:noFill/>
+          <a:extLst>
+            <a:ext uri="{909E8E84-426E-40DD-AFC4-6F175D3DCCD1}">
+              <a14:hiddenFill xmlns:a14="http://schemas.microsoft.com/office/drawing/2010/main">
+                <a:solidFill>
+                  <a:srgbClr val="FFFFFF"/>
+                </a:solidFill>
+              </a14:hiddenFill>
+            </a:ext>
+          </a:extLst>
+        </p:spPr>
+      </p:pic>
+    </p:spTree>
+    <p:extLst>
+      <p:ext uri="{BB962C8B-B14F-4D97-AF65-F5344CB8AC3E}">
+        <p14:creationId xmlns:p14="http://schemas.microsoft.com/office/powerpoint/2010/main" val="289820101"/>
+      </p:ext>
+    </p:extLst>
+  </p:cSld>
+  <p:clrMapOvr>
+    <a:masterClrMapping/>
+  </p:clrMapOvr>
+</p:sld>
+</file>
+
+<file path=ppt/slides/slide12.xml><?xml version="1.0" encoding="utf-8"?>
+<p:sld xmlns:a="http://schemas.openxmlformats.org/drawingml/2006/main" xmlns:r="http://schemas.openxmlformats.org/officeDocument/2006/relationships" xmlns:p="http://schemas.openxmlformats.org/presentationml/2006/main">
+  <p:cSld>
+    <p:spTree>
+      <p:nvGrpSpPr>
+        <p:cNvPr id="1" name=""/>
+        <p:cNvGrpSpPr/>
+        <p:nvPr/>
+      </p:nvGrpSpPr>
+      <p:grpSpPr>
+        <a:xfrm>
+          <a:off x="0" y="0"/>
+          <a:ext cx="0" cy="0"/>
+          <a:chOff x="0" y="0"/>
+          <a:chExt cx="0" cy="0"/>
+        </a:xfrm>
+      </p:grpSpPr>
+      <p:sp>
+        <p:nvSpPr>
+          <p:cNvPr id="2" name="タイトル 1"/>
+          <p:cNvSpPr>
+            <a:spLocks noGrp="1"/>
+          </p:cNvSpPr>
+          <p:nvPr>
+            <p:ph type="title"/>
+          </p:nvPr>
+        </p:nvSpPr>
+        <p:spPr/>
+        <p:txBody>
+          <a:bodyPr/>
+          <a:lstStyle/>
+          <a:p>
+            <a:r>
+              <a:rPr lang="en-US" altLang="ja-JP" dirty="0" smtClean="0"/>
+              <a:t>Depth = 300</a:t>
+            </a:r>
+            <a:endParaRPr kumimoji="1" lang="ja-JP" altLang="en-US" dirty="0"/>
+          </a:p>
+        </p:txBody>
+      </p:sp>
+      <p:sp>
+        <p:nvSpPr>
+          <p:cNvPr id="3" name="コンテンツ プレースホルダー 2"/>
+          <p:cNvSpPr>
+            <a:spLocks noGrp="1"/>
+          </p:cNvSpPr>
+          <p:nvPr>
+            <p:ph idx="1"/>
+          </p:nvPr>
+        </p:nvSpPr>
+        <p:spPr/>
+        <p:txBody>
+          <a:bodyPr/>
+          <a:lstStyle/>
+          <a:p>
+            <a:endParaRPr kumimoji="1" lang="ja-JP" altLang="en-US"/>
+          </a:p>
+        </p:txBody>
+      </p:sp>
+      <p:pic>
+        <p:nvPicPr>
+          <p:cNvPr id="2050" name="Picture 2" descr="C:\Users\170283u\Desktop\python\detected.jpg"/>
+          <p:cNvPicPr>
+            <a:picLocks noChangeAspect="1" noChangeArrowheads="1"/>
+          </p:cNvPicPr>
+          <p:nvPr/>
+        </p:nvPicPr>
+        <p:blipFill>
+          <a:blip r:embed="rId2">
+            <a:extLst>
+              <a:ext uri="{28A0092B-C50C-407E-A947-70E740481C1C}">
+                <a14:useLocalDpi xmlns:a14="http://schemas.microsoft.com/office/drawing/2010/main" val="0"/>
+              </a:ext>
+            </a:extLst>
+          </a:blip>
+          <a:srcRect/>
+          <a:stretch>
+            <a:fillRect/>
+          </a:stretch>
+        </p:blipFill>
+        <p:spPr bwMode="auto">
+          <a:xfrm>
+            <a:off x="107504" y="1412776"/>
+            <a:ext cx="8955062" cy="4477531"/>
+          </a:xfrm>
+          <a:prstGeom prst="rect">
+            <a:avLst/>
+          </a:prstGeom>
+          <a:noFill/>
+          <a:extLst>
+            <a:ext uri="{909E8E84-426E-40DD-AFC4-6F175D3DCCD1}">
+              <a14:hiddenFill xmlns:a14="http://schemas.microsoft.com/office/drawing/2010/main">
+                <a:solidFill>
+                  <a:srgbClr val="FFFFFF"/>
+                </a:solidFill>
+              </a14:hiddenFill>
+            </a:ext>
+          </a:extLst>
+        </p:spPr>
+      </p:pic>
+    </p:spTree>
+    <p:extLst>
+      <p:ext uri="{BB962C8B-B14F-4D97-AF65-F5344CB8AC3E}">
+        <p14:creationId xmlns:p14="http://schemas.microsoft.com/office/powerpoint/2010/main" val="2126499437"/>
+      </p:ext>
+    </p:extLst>
+  </p:cSld>
+  <p:clrMapOvr>
+    <a:masterClrMapping/>
+  </p:clrMapOvr>
+</p:sld>
+</file>
+
+<file path=ppt/slides/slide13.xml><?xml version="1.0" encoding="utf-8"?>
+<p:sld xmlns:a="http://schemas.openxmlformats.org/drawingml/2006/main" xmlns:r="http://schemas.openxmlformats.org/officeDocument/2006/relationships" xmlns:p="http://schemas.openxmlformats.org/presentationml/2006/main">
+  <p:cSld>
+    <p:spTree>
+      <p:nvGrpSpPr>
+        <p:cNvPr id="1" name=""/>
+        <p:cNvGrpSpPr/>
+        <p:nvPr/>
+      </p:nvGrpSpPr>
+      <p:grpSpPr>
+        <a:xfrm>
+          <a:off x="0" y="0"/>
+          <a:ext cx="0" cy="0"/>
+          <a:chOff x="0" y="0"/>
+          <a:chExt cx="0" cy="0"/>
+        </a:xfrm>
+      </p:grpSpPr>
+      <p:sp>
+        <p:nvSpPr>
+          <p:cNvPr id="2" name="タイトル 1"/>
+          <p:cNvSpPr>
+            <a:spLocks noGrp="1"/>
+          </p:cNvSpPr>
+          <p:nvPr>
+            <p:ph type="title"/>
+          </p:nvPr>
+        </p:nvSpPr>
+        <p:spPr/>
+        <p:txBody>
+          <a:bodyPr/>
+          <a:lstStyle/>
+          <a:p>
+            <a:r>
+              <a:rPr kumimoji="1" lang="en-US" altLang="ja-JP" dirty="0" smtClean="0"/>
+              <a:t>Depth = 200</a:t>
+            </a:r>
+            <a:endParaRPr kumimoji="1" lang="ja-JP" altLang="en-US" dirty="0"/>
+          </a:p>
+        </p:txBody>
+      </p:sp>
+      <p:sp>
+        <p:nvSpPr>
+          <p:cNvPr id="3" name="コンテンツ プレースホルダー 2"/>
+          <p:cNvSpPr>
+            <a:spLocks noGrp="1"/>
+          </p:cNvSpPr>
+          <p:nvPr>
+            <p:ph idx="1"/>
+          </p:nvPr>
+        </p:nvSpPr>
+        <p:spPr/>
+        <p:txBody>
+          <a:bodyPr/>
+          <a:lstStyle/>
+          <a:p>
+            <a:r>
+              <a:rPr kumimoji="1" lang="ja-JP" altLang="en-US" dirty="0" smtClean="0"/>
+              <a:t>グリッドの縦線にゆがみがみられない</a:t>
+            </a:r>
+            <a:endParaRPr kumimoji="1" lang="en-US" altLang="ja-JP" dirty="0" smtClean="0"/>
+          </a:p>
+          <a:p>
+            <a:r>
+              <a:rPr lang="ja-JP" altLang="en-US" dirty="0" smtClean="0"/>
+              <a:t>少しカーブしているように見えなくもないが定規で確認したところ問題はなかった</a:t>
+            </a:r>
+            <a:endParaRPr kumimoji="1" lang="ja-JP" altLang="en-US" dirty="0"/>
+          </a:p>
+        </p:txBody>
+      </p:sp>
+    </p:spTree>
+    <p:extLst>
+      <p:ext uri="{BB962C8B-B14F-4D97-AF65-F5344CB8AC3E}">
+        <p14:creationId xmlns:p14="http://schemas.microsoft.com/office/powerpoint/2010/main" val="3248401993"/>
+      </p:ext>
+    </p:extLst>
+  </p:cSld>
+  <p:clrMapOvr>
+    <a:masterClrMapping/>
+  </p:clrMapOvr>
+</p:sld>
+</file>
+
 <file path=ppt/slides/slide2.xml><?xml version="1.0" encoding="utf-8"?>
 <p:sld xmlns:a="http://schemas.openxmlformats.org/drawingml/2006/main" xmlns:r="http://schemas.openxmlformats.org/officeDocument/2006/relationships" xmlns:p="http://schemas.openxmlformats.org/presentationml/2006/main">
   <p:cSld>
@@ -4196,8 +4508,8 @@
           </a:p>
         </p:txBody>
       </p:sp>
-      <mc:AlternateContent xmlns:mc="http://schemas.openxmlformats.org/markup-compatibility/2006">
-        <mc:Choice xmlns:a14="http://schemas.microsoft.com/office/drawing/2010/main" Requires="a14">
+      <mc:AlternateContent xmlns:mc="http://schemas.openxmlformats.org/markup-compatibility/2006" xmlns:a14="http://schemas.microsoft.com/office/drawing/2010/main">
+        <mc:Choice Requires="a14">
           <p:sp>
             <p:nvSpPr>
               <p:cNvPr id="3" name="コンテンツ プレースホルダー 2"/>
@@ -4765,7 +5077,7 @@
             </p:txBody>
           </p:sp>
         </mc:Choice>
-        <mc:Fallback>
+        <mc:Fallback xmlns="">
           <p:sp>
             <p:nvSpPr>
               <p:cNvPr id="3" name="コンテンツ プレースホルダー 2"/>
@@ -4856,8 +5168,8 @@
           </a:p>
         </p:txBody>
       </p:sp>
-      <mc:AlternateContent xmlns:mc="http://schemas.openxmlformats.org/markup-compatibility/2006">
-        <mc:Choice xmlns:a14="http://schemas.microsoft.com/office/drawing/2010/main" Requires="a14">
+      <mc:AlternateContent xmlns:mc="http://schemas.openxmlformats.org/markup-compatibility/2006" xmlns:a14="http://schemas.microsoft.com/office/drawing/2010/main">
+        <mc:Choice Requires="a14">
           <p:sp>
             <p:nvSpPr>
               <p:cNvPr id="3" name="コンテンツ プレースホルダー 2"/>
@@ -4944,7 +5256,7 @@
                       <m:sSupPr>
                         <m:ctrlPr>
                           <a:rPr lang="en-US" altLang="ja-JP" sz="2000" i="1" smtClean="0">
-                            <a:latin typeface="Cambria Math" panose="02040503050406030204" pitchFamily="18" charset="0"/>
+                            <a:latin typeface="Cambria Math"/>
                             <a:ea typeface="Cambria Math" panose="02040503050406030204" pitchFamily="18" charset="0"/>
                           </a:rPr>
                         </m:ctrlPr>
@@ -4979,7 +5291,7 @@
                       <m:sSupPr>
                         <m:ctrlPr>
                           <a:rPr lang="en-US" altLang="ja-JP" sz="2000" i="1" smtClean="0">
-                            <a:latin typeface="Cambria Math" panose="02040503050406030204" pitchFamily="18" charset="0"/>
+                            <a:latin typeface="Cambria Math"/>
                             <a:ea typeface="Cambria Math" panose="02040503050406030204" pitchFamily="18" charset="0"/>
                           </a:rPr>
                         </m:ctrlPr>
@@ -5014,7 +5326,7 @@
                       <m:sSupPr>
                         <m:ctrlPr>
                           <a:rPr lang="en-US" altLang="ja-JP" sz="2000" i="1">
-                            <a:latin typeface="Cambria Math" panose="02040503050406030204" pitchFamily="18" charset="0"/>
+                            <a:latin typeface="Cambria Math"/>
                             <a:ea typeface="Cambria Math" panose="02040503050406030204" pitchFamily="18" charset="0"/>
                           </a:rPr>
                         </m:ctrlPr>
@@ -5049,7 +5361,7 @@
                       <m:sSupPr>
                         <m:ctrlPr>
                           <a:rPr lang="en-US" altLang="ja-JP" sz="2000" i="1" smtClean="0">
-                            <a:latin typeface="Cambria Math" panose="02040503050406030204" pitchFamily="18" charset="0"/>
+                            <a:latin typeface="Cambria Math"/>
                             <a:ea typeface="Cambria Math" panose="02040503050406030204" pitchFamily="18" charset="0"/>
                           </a:rPr>
                         </m:ctrlPr>
@@ -5103,7 +5415,7 @@
                       <m:sSupPr>
                         <m:ctrlPr>
                           <a:rPr lang="en-US" altLang="ja-JP" sz="2000" i="1">
-                            <a:latin typeface="Cambria Math" panose="02040503050406030204" pitchFamily="18" charset="0"/>
+                            <a:latin typeface="Cambria Math"/>
                             <a:ea typeface="Cambria Math" panose="02040503050406030204" pitchFamily="18" charset="0"/>
                           </a:rPr>
                         </m:ctrlPr>
@@ -5152,7 +5464,7 @@
                       <m:sSupPr>
                         <m:ctrlPr>
                           <a:rPr lang="en-US" altLang="ja-JP" sz="2000" i="1">
-                            <a:latin typeface="Cambria Math" panose="02040503050406030204" pitchFamily="18" charset="0"/>
+                            <a:latin typeface="Cambria Math"/>
                             <a:ea typeface="Cambria Math" panose="02040503050406030204" pitchFamily="18" charset="0"/>
                           </a:rPr>
                         </m:ctrlPr>
@@ -5201,7 +5513,7 @@
                       <m:sSupPr>
                         <m:ctrlPr>
                           <a:rPr lang="en-US" altLang="ja-JP" sz="2000" i="1">
-                            <a:latin typeface="Cambria Math" panose="02040503050406030204" pitchFamily="18" charset="0"/>
+                            <a:latin typeface="Cambria Math"/>
                             <a:ea typeface="Cambria Math" panose="02040503050406030204" pitchFamily="18" charset="0"/>
                           </a:rPr>
                         </m:ctrlPr>
@@ -5250,7 +5562,7 @@
                       <m:sSupPr>
                         <m:ctrlPr>
                           <a:rPr lang="en-US" altLang="ja-JP" sz="2000" i="1">
-                            <a:latin typeface="Cambria Math" panose="02040503050406030204" pitchFamily="18" charset="0"/>
+                            <a:latin typeface="Cambria Math"/>
                             <a:ea typeface="Cambria Math" panose="02040503050406030204" pitchFamily="18" charset="0"/>
                           </a:rPr>
                         </m:ctrlPr>
@@ -5298,7 +5610,7 @@
                       <m:sSupPr>
                         <m:ctrlPr>
                           <a:rPr lang="en-US" altLang="ja-JP" sz="2000" i="1">
-                            <a:latin typeface="Cambria Math" panose="02040503050406030204" pitchFamily="18" charset="0"/>
+                            <a:latin typeface="Cambria Math"/>
                             <a:ea typeface="Cambria Math" panose="02040503050406030204" pitchFamily="18" charset="0"/>
                           </a:rPr>
                         </m:ctrlPr>
@@ -5333,7 +5645,7 @@
                       <m:sSupPr>
                         <m:ctrlPr>
                           <a:rPr lang="en-US" altLang="ja-JP" sz="2000" i="1">
-                            <a:latin typeface="Cambria Math" panose="02040503050406030204" pitchFamily="18" charset="0"/>
+                            <a:latin typeface="Cambria Math"/>
                             <a:ea typeface="Cambria Math" panose="02040503050406030204" pitchFamily="18" charset="0"/>
                           </a:rPr>
                         </m:ctrlPr>
@@ -5368,7 +5680,7 @@
                       <m:sSupPr>
                         <m:ctrlPr>
                           <a:rPr lang="en-US" altLang="ja-JP" sz="2000" i="1">
-                            <a:latin typeface="Cambria Math" panose="02040503050406030204" pitchFamily="18" charset="0"/>
+                            <a:latin typeface="Cambria Math"/>
                             <a:ea typeface="Cambria Math" panose="02040503050406030204" pitchFamily="18" charset="0"/>
                           </a:rPr>
                         </m:ctrlPr>
@@ -5403,7 +5715,7 @@
                       <m:sSupPr>
                         <m:ctrlPr>
                           <a:rPr lang="en-US" altLang="ja-JP" sz="2000" i="1">
-                            <a:latin typeface="Cambria Math" panose="02040503050406030204" pitchFamily="18" charset="0"/>
+                            <a:latin typeface="Cambria Math"/>
                             <a:ea typeface="Cambria Math" panose="02040503050406030204" pitchFamily="18" charset="0"/>
                           </a:rPr>
                         </m:ctrlPr>
@@ -5445,7 +5757,7 @@
                       <m:sSupPr>
                         <m:ctrlPr>
                           <a:rPr lang="en-US" altLang="ja-JP" sz="2000" i="1">
-                            <a:latin typeface="Cambria Math" panose="02040503050406030204" pitchFamily="18" charset="0"/>
+                            <a:latin typeface="Cambria Math"/>
                             <a:ea typeface="Cambria Math" panose="02040503050406030204" pitchFamily="18" charset="0"/>
                           </a:rPr>
                         </m:ctrlPr>
@@ -5508,7 +5820,7 @@
                       <m:sSupPr>
                         <m:ctrlPr>
                           <a:rPr lang="en-US" altLang="ja-JP" sz="2000" i="1">
-                            <a:latin typeface="Cambria Math" panose="02040503050406030204" pitchFamily="18" charset="0"/>
+                            <a:latin typeface="Cambria Math"/>
                             <a:ea typeface="Cambria Math" panose="02040503050406030204" pitchFamily="18" charset="0"/>
                           </a:rPr>
                         </m:ctrlPr>
@@ -5543,7 +5855,7 @@
                       <m:sSupPr>
                         <m:ctrlPr>
                           <a:rPr lang="en-US" altLang="ja-JP" sz="2000" i="1">
-                            <a:latin typeface="Cambria Math" panose="02040503050406030204" pitchFamily="18" charset="0"/>
+                            <a:latin typeface="Cambria Math"/>
                             <a:ea typeface="Cambria Math" panose="02040503050406030204" pitchFamily="18" charset="0"/>
                           </a:rPr>
                         </m:ctrlPr>
@@ -5578,7 +5890,7 @@
                       <m:sSupPr>
                         <m:ctrlPr>
                           <a:rPr lang="en-US" altLang="ja-JP" sz="2000" i="1">
-                            <a:latin typeface="Cambria Math" panose="02040503050406030204" pitchFamily="18" charset="0"/>
+                            <a:latin typeface="Cambria Math"/>
                             <a:ea typeface="Cambria Math" panose="02040503050406030204" pitchFamily="18" charset="0"/>
                           </a:rPr>
                         </m:ctrlPr>
@@ -5631,7 +5943,7 @@
                       <m:sSupPr>
                         <m:ctrlPr>
                           <a:rPr lang="en-US" altLang="ja-JP" sz="2000" i="1">
-                            <a:latin typeface="Cambria Math" panose="02040503050406030204" pitchFamily="18" charset="0"/>
+                            <a:latin typeface="Cambria Math"/>
                             <a:ea typeface="Cambria Math" panose="02040503050406030204" pitchFamily="18" charset="0"/>
                           </a:rPr>
                         </m:ctrlPr>
@@ -5838,7 +6150,7 @@
             </p:txBody>
           </p:sp>
         </mc:Choice>
-        <mc:Fallback>
+        <mc:Fallback xmlns="">
           <p:sp>
             <p:nvSpPr>
               <p:cNvPr id="3" name="コンテンツ プレースホルダー 2"/>
@@ -5929,8 +6241,8 @@
           </a:p>
         </p:txBody>
       </p:sp>
-      <mc:AlternateContent xmlns:mc="http://schemas.openxmlformats.org/markup-compatibility/2006">
-        <mc:Choice xmlns:a14="http://schemas.microsoft.com/office/drawing/2010/main" Requires="a14">
+      <mc:AlternateContent xmlns:mc="http://schemas.openxmlformats.org/markup-compatibility/2006" xmlns:a14="http://schemas.microsoft.com/office/drawing/2010/main">
+        <mc:Choice Requires="a14">
           <p:sp>
             <p:nvSpPr>
               <p:cNvPr id="3" name="コンテンツ プレースホルダー 2"/>
@@ -5980,7 +6292,7 @@
                         <m:degHide m:val="on"/>
                         <m:ctrlPr>
                           <a:rPr lang="ja-JP" altLang="en-US" sz="2000" i="1">
-                            <a:latin typeface="Cambria Math" panose="02040503050406030204" pitchFamily="18" charset="0"/>
+                            <a:latin typeface="Cambria Math"/>
                           </a:rPr>
                         </m:ctrlPr>
                       </m:radPr>
@@ -5990,7 +6302,7 @@
                           <m:sSupPr>
                             <m:ctrlPr>
                               <a:rPr lang="en-US" altLang="ja-JP" sz="2000" i="1">
-                                <a:latin typeface="Cambria Math" panose="02040503050406030204" pitchFamily="18" charset="0"/>
+                                <a:latin typeface="Cambria Math"/>
                                 <a:ea typeface="Cambria Math" panose="02040503050406030204" pitchFamily="18" charset="0"/>
                               </a:rPr>
                             </m:ctrlPr>
@@ -6025,7 +6337,7 @@
                           <m:sSupPr>
                             <m:ctrlPr>
                               <a:rPr lang="en-US" altLang="ja-JP" sz="2000" i="1">
-                                <a:latin typeface="Cambria Math" panose="02040503050406030204" pitchFamily="18" charset="0"/>
+                                <a:latin typeface="Cambria Math"/>
                                 <a:ea typeface="Cambria Math" panose="02040503050406030204" pitchFamily="18" charset="0"/>
                               </a:rPr>
                             </m:ctrlPr>
@@ -6060,7 +6372,7 @@
                           <m:sSupPr>
                             <m:ctrlPr>
                               <a:rPr lang="en-US" altLang="ja-JP" sz="2000" i="1">
-                                <a:latin typeface="Cambria Math" panose="02040503050406030204" pitchFamily="18" charset="0"/>
+                                <a:latin typeface="Cambria Math"/>
                                 <a:ea typeface="Cambria Math" panose="02040503050406030204" pitchFamily="18" charset="0"/>
                               </a:rPr>
                             </m:ctrlPr>
@@ -6122,7 +6434,7 @@
                       <m:funcPr>
                         <m:ctrlPr>
                           <a:rPr lang="en-US" altLang="ja-JP" sz="2000" i="1" smtClean="0">
-                            <a:latin typeface="Cambria Math" panose="02040503050406030204" pitchFamily="18" charset="0"/>
+                            <a:latin typeface="Cambria Math"/>
                             <a:ea typeface="Cambria Math" panose="02040503050406030204" pitchFamily="18" charset="0"/>
                           </a:rPr>
                         </m:ctrlPr>
@@ -6132,7 +6444,7 @@
                           <m:sSupPr>
                             <m:ctrlPr>
                               <a:rPr lang="en-US" altLang="ja-JP" sz="2000" i="1" smtClean="0">
-                                <a:latin typeface="Cambria Math" panose="02040503050406030204" pitchFamily="18" charset="0"/>
+                                <a:latin typeface="Cambria Math"/>
                                 <a:ea typeface="Cambria Math" panose="02040503050406030204" pitchFamily="18" charset="0"/>
                               </a:rPr>
                             </m:ctrlPr>
@@ -6165,7 +6477,7 @@
                           <m:fPr>
                             <m:ctrlPr>
                               <a:rPr lang="en-US" altLang="ja-JP" sz="2000" i="1" smtClean="0">
-                                <a:latin typeface="Cambria Math" panose="02040503050406030204" pitchFamily="18" charset="0"/>
+                                <a:latin typeface="Cambria Math"/>
                                 <a:ea typeface="Cambria Math" panose="02040503050406030204" pitchFamily="18" charset="0"/>
                               </a:rPr>
                             </m:ctrlPr>
@@ -6185,7 +6497,7 @@
                                 <m:degHide m:val="on"/>
                                 <m:ctrlPr>
                                   <a:rPr lang="en-US" altLang="ja-JP" sz="2000" i="1" smtClean="0">
-                                    <a:latin typeface="Cambria Math" panose="02040503050406030204" pitchFamily="18" charset="0"/>
+                                    <a:latin typeface="Cambria Math"/>
                                     <a:ea typeface="Cambria Math" panose="02040503050406030204" pitchFamily="18" charset="0"/>
                                   </a:rPr>
                                 </m:ctrlPr>
@@ -6196,7 +6508,7 @@
                                   <m:sSupPr>
                                     <m:ctrlPr>
                                       <a:rPr lang="en-US" altLang="ja-JP" sz="2000" i="1" smtClean="0">
-                                        <a:latin typeface="Cambria Math" panose="02040503050406030204" pitchFamily="18" charset="0"/>
+                                        <a:latin typeface="Cambria Math"/>
                                         <a:ea typeface="Cambria Math" panose="02040503050406030204" pitchFamily="18" charset="0"/>
                                       </a:rPr>
                                     </m:ctrlPr>
@@ -6231,7 +6543,7 @@
                                   <m:sSupPr>
                                     <m:ctrlPr>
                                       <a:rPr lang="en-US" altLang="ja-JP" sz="2000" i="1" smtClean="0">
-                                        <a:latin typeface="Cambria Math" panose="02040503050406030204" pitchFamily="18" charset="0"/>
+                                        <a:latin typeface="Cambria Math"/>
                                         <a:ea typeface="Cambria Math" panose="02040503050406030204" pitchFamily="18" charset="0"/>
                                       </a:rPr>
                                     </m:ctrlPr>
@@ -6266,7 +6578,7 @@
                                   <m:sSupPr>
                                     <m:ctrlPr>
                                       <a:rPr lang="en-US" altLang="ja-JP" sz="2000" i="1" smtClean="0">
-                                        <a:latin typeface="Cambria Math" panose="02040503050406030204" pitchFamily="18" charset="0"/>
+                                        <a:latin typeface="Cambria Math"/>
                                         <a:ea typeface="Cambria Math" panose="02040503050406030204" pitchFamily="18" charset="0"/>
                                       </a:rPr>
                                     </m:ctrlPr>
@@ -6336,7 +6648,7 @@
                       <m:funcPr>
                         <m:ctrlPr>
                           <a:rPr lang="en-US" altLang="ja-JP" sz="2000" i="1" smtClean="0">
-                            <a:latin typeface="Cambria Math" panose="02040503050406030204" pitchFamily="18" charset="0"/>
+                            <a:latin typeface="Cambria Math"/>
                             <a:ea typeface="Cambria Math" panose="02040503050406030204" pitchFamily="18" charset="0"/>
                           </a:rPr>
                         </m:ctrlPr>
@@ -6346,7 +6658,7 @@
                           <m:sSupPr>
                             <m:ctrlPr>
                               <a:rPr lang="en-US" altLang="ja-JP" sz="2000" i="1" smtClean="0">
-                                <a:latin typeface="Cambria Math" panose="02040503050406030204" pitchFamily="18" charset="0"/>
+                                <a:latin typeface="Cambria Math"/>
                                 <a:ea typeface="Cambria Math" panose="02040503050406030204" pitchFamily="18" charset="0"/>
                               </a:rPr>
                             </m:ctrlPr>
@@ -6379,7 +6691,7 @@
                           <m:fPr>
                             <m:ctrlPr>
                               <a:rPr lang="en-US" altLang="ja-JP" sz="2000" i="1" smtClean="0">
-                                <a:latin typeface="Cambria Math" panose="02040503050406030204" pitchFamily="18" charset="0"/>
+                                <a:latin typeface="Cambria Math"/>
                                 <a:ea typeface="Cambria Math" panose="02040503050406030204" pitchFamily="18" charset="0"/>
                               </a:rPr>
                             </m:ctrlPr>
@@ -6415,7 +6727,7 @@
             </p:txBody>
           </p:sp>
         </mc:Choice>
-        <mc:Fallback>
+        <mc:Fallback xmlns="">
           <p:sp>
             <p:nvSpPr>
               <p:cNvPr id="3" name="コンテンツ プレースホルダー 2"/>
